--- a/source/dev/DaemonsAndQueues.pptx
+++ b/source/dev/DaemonsAndQueues.pptx
@@ -105,6 +105,11 @@
       </a:defRPr>
     </a:lvl9pPr>
   </p:defaultTextStyle>
+  <p:extLst>
+    <p:ext uri="{EFAFB233-063F-42B5-8137-9DF3F51BA10A}">
+      <p15:sldGuideLst xmlns:p15="http://schemas.microsoft.com/office/powerpoint/2012/main"/>
+    </p:ext>
+  </p:extLst>
 </p:presentation>
 </file>
 
@@ -257,7 +262,7 @@
           <a:p>
             <a:fld id="{FE3207BD-76F1-45CA-B212-51A4A81DF6F9}" type="datetimeFigureOut">
               <a:rPr lang="fr-FR" smtClean="0"/>
-              <a:t>11/06/2021</a:t>
+              <a:t>18/06/2021</a:t>
             </a:fld>
             <a:endParaRPr lang="fr-FR"/>
           </a:p>
@@ -457,7 +462,7 @@
           <a:p>
             <a:fld id="{FE3207BD-76F1-45CA-B212-51A4A81DF6F9}" type="datetimeFigureOut">
               <a:rPr lang="fr-FR" smtClean="0"/>
-              <a:t>11/06/2021</a:t>
+              <a:t>18/06/2021</a:t>
             </a:fld>
             <a:endParaRPr lang="fr-FR"/>
           </a:p>
@@ -667,7 +672,7 @@
           <a:p>
             <a:fld id="{FE3207BD-76F1-45CA-B212-51A4A81DF6F9}" type="datetimeFigureOut">
               <a:rPr lang="fr-FR" smtClean="0"/>
-              <a:t>11/06/2021</a:t>
+              <a:t>18/06/2021</a:t>
             </a:fld>
             <a:endParaRPr lang="fr-FR"/>
           </a:p>
@@ -867,7 +872,7 @@
           <a:p>
             <a:fld id="{FE3207BD-76F1-45CA-B212-51A4A81DF6F9}" type="datetimeFigureOut">
               <a:rPr lang="fr-FR" smtClean="0"/>
-              <a:t>11/06/2021</a:t>
+              <a:t>18/06/2021</a:t>
             </a:fld>
             <a:endParaRPr lang="fr-FR"/>
           </a:p>
@@ -1143,7 +1148,7 @@
           <a:p>
             <a:fld id="{FE3207BD-76F1-45CA-B212-51A4A81DF6F9}" type="datetimeFigureOut">
               <a:rPr lang="fr-FR" smtClean="0"/>
-              <a:t>11/06/2021</a:t>
+              <a:t>18/06/2021</a:t>
             </a:fld>
             <a:endParaRPr lang="fr-FR"/>
           </a:p>
@@ -1411,7 +1416,7 @@
           <a:p>
             <a:fld id="{FE3207BD-76F1-45CA-B212-51A4A81DF6F9}" type="datetimeFigureOut">
               <a:rPr lang="fr-FR" smtClean="0"/>
-              <a:t>11/06/2021</a:t>
+              <a:t>18/06/2021</a:t>
             </a:fld>
             <a:endParaRPr lang="fr-FR"/>
           </a:p>
@@ -1826,7 +1831,7 @@
           <a:p>
             <a:fld id="{FE3207BD-76F1-45CA-B212-51A4A81DF6F9}" type="datetimeFigureOut">
               <a:rPr lang="fr-FR" smtClean="0"/>
-              <a:t>11/06/2021</a:t>
+              <a:t>18/06/2021</a:t>
             </a:fld>
             <a:endParaRPr lang="fr-FR"/>
           </a:p>
@@ -1968,7 +1973,7 @@
           <a:p>
             <a:fld id="{FE3207BD-76F1-45CA-B212-51A4A81DF6F9}" type="datetimeFigureOut">
               <a:rPr lang="fr-FR" smtClean="0"/>
-              <a:t>11/06/2021</a:t>
+              <a:t>18/06/2021</a:t>
             </a:fld>
             <a:endParaRPr lang="fr-FR"/>
           </a:p>
@@ -2081,7 +2086,7 @@
           <a:p>
             <a:fld id="{FE3207BD-76F1-45CA-B212-51A4A81DF6F9}" type="datetimeFigureOut">
               <a:rPr lang="fr-FR" smtClean="0"/>
-              <a:t>11/06/2021</a:t>
+              <a:t>18/06/2021</a:t>
             </a:fld>
             <a:endParaRPr lang="fr-FR"/>
           </a:p>
@@ -2394,7 +2399,7 @@
           <a:p>
             <a:fld id="{FE3207BD-76F1-45CA-B212-51A4A81DF6F9}" type="datetimeFigureOut">
               <a:rPr lang="fr-FR" smtClean="0"/>
-              <a:t>11/06/2021</a:t>
+              <a:t>18/06/2021</a:t>
             </a:fld>
             <a:endParaRPr lang="fr-FR"/>
           </a:p>
@@ -2683,7 +2688,7 @@
           <a:p>
             <a:fld id="{FE3207BD-76F1-45CA-B212-51A4A81DF6F9}" type="datetimeFigureOut">
               <a:rPr lang="fr-FR" smtClean="0"/>
-              <a:t>11/06/2021</a:t>
+              <a:t>18/06/2021</a:t>
             </a:fld>
             <a:endParaRPr lang="fr-FR"/>
           </a:p>
@@ -2926,7 +2931,7 @@
           <a:p>
             <a:fld id="{FE3207BD-76F1-45CA-B212-51A4A81DF6F9}" type="datetimeFigureOut">
               <a:rPr lang="fr-FR" smtClean="0"/>
-              <a:t>11/06/2021</a:t>
+              <a:t>18/06/2021</a:t>
             </a:fld>
             <a:endParaRPr lang="fr-FR"/>
           </a:p>
@@ -3394,12 +3399,29 @@
             <p:ph type="subTitle" idx="1"/>
           </p:nvPr>
         </p:nvSpPr>
-        <p:spPr/>
-        <p:txBody>
-          <a:bodyPr/>
-          <a:lstStyle/>
-          <a:p>
-            <a:endParaRPr lang="fr-FR"/>
+        <p:spPr>
+          <a:xfrm>
+            <a:off x="1524000" y="4595446"/>
+            <a:ext cx="9144000" cy="662354"/>
+          </a:xfrm>
+        </p:spPr>
+        <p:txBody>
+          <a:bodyPr>
+            <a:normAutofit fontScale="85000" lnSpcReduction="20000"/>
+          </a:bodyPr>
+          <a:lstStyle/>
+          <a:p>
+            <a:r>
+              <a:rPr lang="fr-FR"/>
+              <a:t>Tcharp38</a:t>
+            </a:r>
+          </a:p>
+          <a:p>
+            <a:fld id="{BF2A260F-8382-4C98-83DB-ECCB6B99C7C2}" type="datetime2">
+              <a:rPr lang="fr-FR" smtClean="0"/>
+              <a:t>vendredi 18 juin 2021</a:t>
+            </a:fld>
+            <a:endParaRPr lang="fr-FR" dirty="0"/>
           </a:p>
         </p:txBody>
       </p:sp>
@@ -3693,7 +3715,7 @@
         </p:nvSpPr>
         <p:spPr>
           <a:xfrm>
-            <a:off x="5731113" y="2686903"/>
+            <a:off x="6490526" y="2466583"/>
             <a:ext cx="310661" cy="468923"/>
           </a:xfrm>
           <a:prstGeom prst="rect">
@@ -4161,8 +4183,8 @@
         </p:nvSpPr>
         <p:spPr>
           <a:xfrm>
-            <a:off x="4789088" y="3177376"/>
-            <a:ext cx="1131488" cy="1006497"/>
+            <a:off x="4772540" y="3536950"/>
+            <a:ext cx="1131488" cy="665695"/>
           </a:xfrm>
           <a:custGeom>
             <a:avLst/>
@@ -4947,239 +4969,6 @@
           </a:p>
         </p:txBody>
       </p:sp>
-      <p:sp>
-        <p:nvSpPr>
-          <p:cNvPr id="32" name="Freeform: Shape 31">
-            <a:extLst>
-              <a:ext uri="{FF2B5EF4-FFF2-40B4-BE49-F238E27FC236}">
-                <a16:creationId xmlns:a16="http://schemas.microsoft.com/office/drawing/2014/main" id="{64399A96-3E3D-4B1F-91A8-191F8C211801}"/>
-              </a:ext>
-            </a:extLst>
-          </p:cNvPr>
-          <p:cNvSpPr/>
-          <p:nvPr/>
-        </p:nvSpPr>
-        <p:spPr>
-          <a:xfrm>
-            <a:off x="5867948" y="2256397"/>
-            <a:ext cx="565744" cy="381548"/>
-          </a:xfrm>
-          <a:custGeom>
-            <a:avLst/>
-            <a:gdLst>
-              <a:gd name="connsiteX0" fmla="*/ 6579 w 565744"/>
-              <a:gd name="connsiteY0" fmla="*/ 381548 h 381548"/>
-              <a:gd name="connsiteX1" fmla="*/ 0 w 565744"/>
-              <a:gd name="connsiteY1" fmla="*/ 348656 h 381548"/>
-              <a:gd name="connsiteX2" fmla="*/ 32892 w 565744"/>
-              <a:gd name="connsiteY2" fmla="*/ 276294 h 381548"/>
-              <a:gd name="connsiteX3" fmla="*/ 52628 w 565744"/>
-              <a:gd name="connsiteY3" fmla="*/ 249980 h 381548"/>
-              <a:gd name="connsiteX4" fmla="*/ 98676 w 565744"/>
-              <a:gd name="connsiteY4" fmla="*/ 217088 h 381548"/>
-              <a:gd name="connsiteX5" fmla="*/ 118412 w 565744"/>
-              <a:gd name="connsiteY5" fmla="*/ 210509 h 381548"/>
-              <a:gd name="connsiteX6" fmla="*/ 171039 w 565744"/>
-              <a:gd name="connsiteY6" fmla="*/ 177617 h 381548"/>
-              <a:gd name="connsiteX7" fmla="*/ 190774 w 565744"/>
-              <a:gd name="connsiteY7" fmla="*/ 164461 h 381548"/>
-              <a:gd name="connsiteX8" fmla="*/ 243402 w 565744"/>
-              <a:gd name="connsiteY8" fmla="*/ 151304 h 381548"/>
-              <a:gd name="connsiteX9" fmla="*/ 269715 w 565744"/>
-              <a:gd name="connsiteY9" fmla="*/ 144725 h 381548"/>
-              <a:gd name="connsiteX10" fmla="*/ 348656 w 565744"/>
-              <a:gd name="connsiteY10" fmla="*/ 138147 h 381548"/>
-              <a:gd name="connsiteX11" fmla="*/ 394705 w 565744"/>
-              <a:gd name="connsiteY11" fmla="*/ 131568 h 381548"/>
-              <a:gd name="connsiteX12" fmla="*/ 440754 w 565744"/>
-              <a:gd name="connsiteY12" fmla="*/ 118412 h 381548"/>
-              <a:gd name="connsiteX13" fmla="*/ 460489 w 565744"/>
-              <a:gd name="connsiteY13" fmla="*/ 105255 h 381548"/>
-              <a:gd name="connsiteX14" fmla="*/ 499960 w 565744"/>
-              <a:gd name="connsiteY14" fmla="*/ 92098 h 381548"/>
-              <a:gd name="connsiteX15" fmla="*/ 519695 w 565744"/>
-              <a:gd name="connsiteY15" fmla="*/ 72363 h 381548"/>
-              <a:gd name="connsiteX16" fmla="*/ 559166 w 565744"/>
-              <a:gd name="connsiteY16" fmla="*/ 19735 h 381548"/>
-              <a:gd name="connsiteX17" fmla="*/ 565744 w 565744"/>
-              <a:gd name="connsiteY17" fmla="*/ 0 h 381548"/>
-            </a:gdLst>
-            <a:ahLst/>
-            <a:cxnLst>
-              <a:cxn ang="0">
-                <a:pos x="connsiteX0" y="connsiteY0"/>
-              </a:cxn>
-              <a:cxn ang="0">
-                <a:pos x="connsiteX1" y="connsiteY1"/>
-              </a:cxn>
-              <a:cxn ang="0">
-                <a:pos x="connsiteX2" y="connsiteY2"/>
-              </a:cxn>
-              <a:cxn ang="0">
-                <a:pos x="connsiteX3" y="connsiteY3"/>
-              </a:cxn>
-              <a:cxn ang="0">
-                <a:pos x="connsiteX4" y="connsiteY4"/>
-              </a:cxn>
-              <a:cxn ang="0">
-                <a:pos x="connsiteX5" y="connsiteY5"/>
-              </a:cxn>
-              <a:cxn ang="0">
-                <a:pos x="connsiteX6" y="connsiteY6"/>
-              </a:cxn>
-              <a:cxn ang="0">
-                <a:pos x="connsiteX7" y="connsiteY7"/>
-              </a:cxn>
-              <a:cxn ang="0">
-                <a:pos x="connsiteX8" y="connsiteY8"/>
-              </a:cxn>
-              <a:cxn ang="0">
-                <a:pos x="connsiteX9" y="connsiteY9"/>
-              </a:cxn>
-              <a:cxn ang="0">
-                <a:pos x="connsiteX10" y="connsiteY10"/>
-              </a:cxn>
-              <a:cxn ang="0">
-                <a:pos x="connsiteX11" y="connsiteY11"/>
-              </a:cxn>
-              <a:cxn ang="0">
-                <a:pos x="connsiteX12" y="connsiteY12"/>
-              </a:cxn>
-              <a:cxn ang="0">
-                <a:pos x="connsiteX13" y="connsiteY13"/>
-              </a:cxn>
-              <a:cxn ang="0">
-                <a:pos x="connsiteX14" y="connsiteY14"/>
-              </a:cxn>
-              <a:cxn ang="0">
-                <a:pos x="connsiteX15" y="connsiteY15"/>
-              </a:cxn>
-              <a:cxn ang="0">
-                <a:pos x="connsiteX16" y="connsiteY16"/>
-              </a:cxn>
-              <a:cxn ang="0">
-                <a:pos x="connsiteX17" y="connsiteY17"/>
-              </a:cxn>
-            </a:cxnLst>
-            <a:rect l="l" t="t" r="r" b="b"/>
-            <a:pathLst>
-              <a:path w="565744" h="381548">
-                <a:moveTo>
-                  <a:pt x="6579" y="381548"/>
-                </a:moveTo>
-                <a:cubicBezTo>
-                  <a:pt x="4386" y="370584"/>
-                  <a:pt x="0" y="359837"/>
-                  <a:pt x="0" y="348656"/>
-                </a:cubicBezTo>
-                <a:cubicBezTo>
-                  <a:pt x="0" y="316999"/>
-                  <a:pt x="14067" y="301394"/>
-                  <a:pt x="32892" y="276294"/>
-                </a:cubicBezTo>
-                <a:cubicBezTo>
-                  <a:pt x="39471" y="267523"/>
-                  <a:pt x="44875" y="257733"/>
-                  <a:pt x="52628" y="249980"/>
-                </a:cubicBezTo>
-                <a:cubicBezTo>
-                  <a:pt x="55607" y="247001"/>
-                  <a:pt x="91206" y="220823"/>
-                  <a:pt x="98676" y="217088"/>
-                </a:cubicBezTo>
-                <a:cubicBezTo>
-                  <a:pt x="104878" y="213987"/>
-                  <a:pt x="111833" y="212702"/>
-                  <a:pt x="118412" y="210509"/>
-                </a:cubicBezTo>
-                <a:cubicBezTo>
-                  <a:pt x="153039" y="175882"/>
-                  <a:pt x="121205" y="202534"/>
-                  <a:pt x="171039" y="177617"/>
-                </a:cubicBezTo>
-                <a:cubicBezTo>
-                  <a:pt x="178110" y="174081"/>
-                  <a:pt x="183703" y="167997"/>
-                  <a:pt x="190774" y="164461"/>
-                </a:cubicBezTo>
-                <a:cubicBezTo>
-                  <a:pt x="204884" y="157406"/>
-                  <a:pt x="229884" y="154308"/>
-                  <a:pt x="243402" y="151304"/>
-                </a:cubicBezTo>
-                <a:cubicBezTo>
-                  <a:pt x="252228" y="149343"/>
-                  <a:pt x="260744" y="145846"/>
-                  <a:pt x="269715" y="144725"/>
-                </a:cubicBezTo>
-                <a:cubicBezTo>
-                  <a:pt x="295916" y="141450"/>
-                  <a:pt x="322396" y="140911"/>
-                  <a:pt x="348656" y="138147"/>
-                </a:cubicBezTo>
-                <a:cubicBezTo>
-                  <a:pt x="364076" y="136524"/>
-                  <a:pt x="379450" y="134342"/>
-                  <a:pt x="394705" y="131568"/>
-                </a:cubicBezTo>
-                <a:cubicBezTo>
-                  <a:pt x="412880" y="128263"/>
-                  <a:pt x="423843" y="124049"/>
-                  <a:pt x="440754" y="118412"/>
-                </a:cubicBezTo>
-                <a:cubicBezTo>
-                  <a:pt x="447332" y="114026"/>
-                  <a:pt x="453264" y="108466"/>
-                  <a:pt x="460489" y="105255"/>
-                </a:cubicBezTo>
-                <a:cubicBezTo>
-                  <a:pt x="473162" y="99622"/>
-                  <a:pt x="499960" y="92098"/>
-                  <a:pt x="499960" y="92098"/>
-                </a:cubicBezTo>
-                <a:cubicBezTo>
-                  <a:pt x="506538" y="85520"/>
-                  <a:pt x="513569" y="79364"/>
-                  <a:pt x="519695" y="72363"/>
-                </a:cubicBezTo>
-                <a:cubicBezTo>
-                  <a:pt x="541574" y="47358"/>
-                  <a:pt x="543499" y="43236"/>
-                  <a:pt x="559166" y="19735"/>
-                </a:cubicBezTo>
-                <a:lnTo>
-                  <a:pt x="565744" y="0"/>
-                </a:lnTo>
-              </a:path>
-            </a:pathLst>
-          </a:custGeom>
-          <a:ln>
-            <a:tailEnd type="triangle"/>
-          </a:ln>
-        </p:spPr>
-        <p:style>
-          <a:lnRef idx="3">
-            <a:schemeClr val="accent2"/>
-          </a:lnRef>
-          <a:fillRef idx="0">
-            <a:schemeClr val="accent2"/>
-          </a:fillRef>
-          <a:effectRef idx="2">
-            <a:schemeClr val="accent2"/>
-          </a:effectRef>
-          <a:fontRef idx="minor">
-            <a:schemeClr val="tx1"/>
-          </a:fontRef>
-        </p:style>
-        <p:txBody>
-          <a:bodyPr rtlCol="0" anchor="ctr"/>
-          <a:lstStyle/>
-          <a:p>
-            <a:pPr algn="ctr"/>
-            <a:endParaRPr lang="fr-FR"/>
-          </a:p>
-        </p:txBody>
-      </p:sp>
       <p:cxnSp>
         <p:nvCxnSpPr>
           <p:cNvPr id="34" name="Straight Arrow Connector 33">
@@ -6077,333 +5866,6 @@
       </p:sp>
       <p:sp>
         <p:nvSpPr>
-          <p:cNvPr id="40" name="Freeform: Shape 39">
-            <a:extLst>
-              <a:ext uri="{FF2B5EF4-FFF2-40B4-BE49-F238E27FC236}">
-                <a16:creationId xmlns:a16="http://schemas.microsoft.com/office/drawing/2014/main" id="{5F30C2CB-95A6-4AE6-878A-FA8D7594153F}"/>
-              </a:ext>
-            </a:extLst>
-          </p:cNvPr>
-          <p:cNvSpPr/>
-          <p:nvPr/>
-        </p:nvSpPr>
-        <p:spPr>
-          <a:xfrm>
-            <a:off x="7058642" y="2282711"/>
-            <a:ext cx="492761" cy="953870"/>
-          </a:xfrm>
-          <a:custGeom>
-            <a:avLst/>
-            <a:gdLst>
-              <a:gd name="connsiteX0" fmla="*/ 407862 w 492761"/>
-              <a:gd name="connsiteY0" fmla="*/ 953870 h 953870"/>
-              <a:gd name="connsiteX1" fmla="*/ 421018 w 492761"/>
-              <a:gd name="connsiteY1" fmla="*/ 914400 h 953870"/>
-              <a:gd name="connsiteX2" fmla="*/ 427597 w 492761"/>
-              <a:gd name="connsiteY2" fmla="*/ 888086 h 953870"/>
-              <a:gd name="connsiteX3" fmla="*/ 440754 w 492761"/>
-              <a:gd name="connsiteY3" fmla="*/ 848616 h 953870"/>
-              <a:gd name="connsiteX4" fmla="*/ 453911 w 492761"/>
-              <a:gd name="connsiteY4" fmla="*/ 828880 h 953870"/>
-              <a:gd name="connsiteX5" fmla="*/ 460489 w 492761"/>
-              <a:gd name="connsiteY5" fmla="*/ 782831 h 953870"/>
-              <a:gd name="connsiteX6" fmla="*/ 480224 w 492761"/>
-              <a:gd name="connsiteY6" fmla="*/ 710469 h 953870"/>
-              <a:gd name="connsiteX7" fmla="*/ 480224 w 492761"/>
-              <a:gd name="connsiteY7" fmla="*/ 342077 h 953870"/>
-              <a:gd name="connsiteX8" fmla="*/ 473646 w 492761"/>
-              <a:gd name="connsiteY8" fmla="*/ 322342 h 953870"/>
-              <a:gd name="connsiteX9" fmla="*/ 447332 w 492761"/>
-              <a:gd name="connsiteY9" fmla="*/ 282872 h 953870"/>
-              <a:gd name="connsiteX10" fmla="*/ 421018 w 492761"/>
-              <a:gd name="connsiteY10" fmla="*/ 243401 h 953870"/>
-              <a:gd name="connsiteX11" fmla="*/ 407862 w 492761"/>
-              <a:gd name="connsiteY11" fmla="*/ 223666 h 953870"/>
-              <a:gd name="connsiteX12" fmla="*/ 361813 w 492761"/>
-              <a:gd name="connsiteY12" fmla="*/ 197352 h 953870"/>
-              <a:gd name="connsiteX13" fmla="*/ 315764 w 492761"/>
-              <a:gd name="connsiteY13" fmla="*/ 171039 h 953870"/>
-              <a:gd name="connsiteX14" fmla="*/ 276293 w 492761"/>
-              <a:gd name="connsiteY14" fmla="*/ 157882 h 953870"/>
-              <a:gd name="connsiteX15" fmla="*/ 230244 w 492761"/>
-              <a:gd name="connsiteY15" fmla="*/ 131568 h 953870"/>
-              <a:gd name="connsiteX16" fmla="*/ 190774 w 492761"/>
-              <a:gd name="connsiteY16" fmla="*/ 124990 h 953870"/>
-              <a:gd name="connsiteX17" fmla="*/ 138146 w 492761"/>
-              <a:gd name="connsiteY17" fmla="*/ 111833 h 953870"/>
-              <a:gd name="connsiteX18" fmla="*/ 92098 w 492761"/>
-              <a:gd name="connsiteY18" fmla="*/ 92098 h 953870"/>
-              <a:gd name="connsiteX19" fmla="*/ 72362 w 492761"/>
-              <a:gd name="connsiteY19" fmla="*/ 72362 h 953870"/>
-              <a:gd name="connsiteX20" fmla="*/ 52627 w 492761"/>
-              <a:gd name="connsiteY20" fmla="*/ 59206 h 953870"/>
-              <a:gd name="connsiteX21" fmla="*/ 26313 w 492761"/>
-              <a:gd name="connsiteY21" fmla="*/ 19735 h 953870"/>
-              <a:gd name="connsiteX22" fmla="*/ 0 w 492761"/>
-              <a:gd name="connsiteY22" fmla="*/ 0 h 953870"/>
-            </a:gdLst>
-            <a:ahLst/>
-            <a:cxnLst>
-              <a:cxn ang="0">
-                <a:pos x="connsiteX0" y="connsiteY0"/>
-              </a:cxn>
-              <a:cxn ang="0">
-                <a:pos x="connsiteX1" y="connsiteY1"/>
-              </a:cxn>
-              <a:cxn ang="0">
-                <a:pos x="connsiteX2" y="connsiteY2"/>
-              </a:cxn>
-              <a:cxn ang="0">
-                <a:pos x="connsiteX3" y="connsiteY3"/>
-              </a:cxn>
-              <a:cxn ang="0">
-                <a:pos x="connsiteX4" y="connsiteY4"/>
-              </a:cxn>
-              <a:cxn ang="0">
-                <a:pos x="connsiteX5" y="connsiteY5"/>
-              </a:cxn>
-              <a:cxn ang="0">
-                <a:pos x="connsiteX6" y="connsiteY6"/>
-              </a:cxn>
-              <a:cxn ang="0">
-                <a:pos x="connsiteX7" y="connsiteY7"/>
-              </a:cxn>
-              <a:cxn ang="0">
-                <a:pos x="connsiteX8" y="connsiteY8"/>
-              </a:cxn>
-              <a:cxn ang="0">
-                <a:pos x="connsiteX9" y="connsiteY9"/>
-              </a:cxn>
-              <a:cxn ang="0">
-                <a:pos x="connsiteX10" y="connsiteY10"/>
-              </a:cxn>
-              <a:cxn ang="0">
-                <a:pos x="connsiteX11" y="connsiteY11"/>
-              </a:cxn>
-              <a:cxn ang="0">
-                <a:pos x="connsiteX12" y="connsiteY12"/>
-              </a:cxn>
-              <a:cxn ang="0">
-                <a:pos x="connsiteX13" y="connsiteY13"/>
-              </a:cxn>
-              <a:cxn ang="0">
-                <a:pos x="connsiteX14" y="connsiteY14"/>
-              </a:cxn>
-              <a:cxn ang="0">
-                <a:pos x="connsiteX15" y="connsiteY15"/>
-              </a:cxn>
-              <a:cxn ang="0">
-                <a:pos x="connsiteX16" y="connsiteY16"/>
-              </a:cxn>
-              <a:cxn ang="0">
-                <a:pos x="connsiteX17" y="connsiteY17"/>
-              </a:cxn>
-              <a:cxn ang="0">
-                <a:pos x="connsiteX18" y="connsiteY18"/>
-              </a:cxn>
-              <a:cxn ang="0">
-                <a:pos x="connsiteX19" y="connsiteY19"/>
-              </a:cxn>
-              <a:cxn ang="0">
-                <a:pos x="connsiteX20" y="connsiteY20"/>
-              </a:cxn>
-              <a:cxn ang="0">
-                <a:pos x="connsiteX21" y="connsiteY21"/>
-              </a:cxn>
-              <a:cxn ang="0">
-                <a:pos x="connsiteX22" y="connsiteY22"/>
-              </a:cxn>
-            </a:cxnLst>
-            <a:rect l="l" t="t" r="r" b="b"/>
-            <a:pathLst>
-              <a:path w="492761" h="953870">
-                <a:moveTo>
-                  <a:pt x="407862" y="953870"/>
-                </a:moveTo>
-                <a:cubicBezTo>
-                  <a:pt x="412247" y="940713"/>
-                  <a:pt x="417033" y="927683"/>
-                  <a:pt x="421018" y="914400"/>
-                </a:cubicBezTo>
-                <a:cubicBezTo>
-                  <a:pt x="423616" y="905740"/>
-                  <a:pt x="424999" y="896746"/>
-                  <a:pt x="427597" y="888086"/>
-                </a:cubicBezTo>
-                <a:cubicBezTo>
-                  <a:pt x="431582" y="874803"/>
-                  <a:pt x="433061" y="860155"/>
-                  <a:pt x="440754" y="848616"/>
-                </a:cubicBezTo>
-                <a:lnTo>
-                  <a:pt x="453911" y="828880"/>
-                </a:lnTo>
-                <a:cubicBezTo>
-                  <a:pt x="456104" y="813530"/>
-                  <a:pt x="457448" y="798035"/>
-                  <a:pt x="460489" y="782831"/>
-                </a:cubicBezTo>
-                <a:cubicBezTo>
-                  <a:pt x="467907" y="745740"/>
-                  <a:pt x="470774" y="738821"/>
-                  <a:pt x="480224" y="710469"/>
-                </a:cubicBezTo>
-                <a:cubicBezTo>
-                  <a:pt x="501310" y="562883"/>
-                  <a:pt x="491925" y="646289"/>
-                  <a:pt x="480224" y="342077"/>
-                </a:cubicBezTo>
-                <a:cubicBezTo>
-                  <a:pt x="479957" y="335148"/>
-                  <a:pt x="477014" y="328404"/>
-                  <a:pt x="473646" y="322342"/>
-                </a:cubicBezTo>
-                <a:cubicBezTo>
-                  <a:pt x="465967" y="308519"/>
-                  <a:pt x="456103" y="296029"/>
-                  <a:pt x="447332" y="282872"/>
-                </a:cubicBezTo>
-                <a:lnTo>
-                  <a:pt x="421018" y="243401"/>
-                </a:lnTo>
-                <a:cubicBezTo>
-                  <a:pt x="416633" y="236823"/>
-                  <a:pt x="414440" y="228051"/>
-                  <a:pt x="407862" y="223666"/>
-                </a:cubicBezTo>
-                <a:cubicBezTo>
-                  <a:pt x="359778" y="191611"/>
-                  <a:pt x="420238" y="230738"/>
-                  <a:pt x="361813" y="197352"/>
-                </a:cubicBezTo>
-                <a:cubicBezTo>
-                  <a:pt x="334124" y="181530"/>
-                  <a:pt x="348893" y="184290"/>
-                  <a:pt x="315764" y="171039"/>
-                </a:cubicBezTo>
-                <a:cubicBezTo>
-                  <a:pt x="302887" y="165888"/>
-                  <a:pt x="276293" y="157882"/>
-                  <a:pt x="276293" y="157882"/>
-                </a:cubicBezTo>
-                <a:cubicBezTo>
-                  <a:pt x="263079" y="149073"/>
-                  <a:pt x="245420" y="136121"/>
-                  <a:pt x="230244" y="131568"/>
-                </a:cubicBezTo>
-                <a:cubicBezTo>
-                  <a:pt x="217468" y="127735"/>
-                  <a:pt x="203931" y="127183"/>
-                  <a:pt x="190774" y="124990"/>
-                </a:cubicBezTo>
-                <a:cubicBezTo>
-                  <a:pt x="145663" y="109951"/>
-                  <a:pt x="201653" y="127710"/>
-                  <a:pt x="138146" y="111833"/>
-                </a:cubicBezTo>
-                <a:cubicBezTo>
-                  <a:pt x="118792" y="106995"/>
-                  <a:pt x="110918" y="101508"/>
-                  <a:pt x="92098" y="92098"/>
-                </a:cubicBezTo>
-                <a:cubicBezTo>
-                  <a:pt x="85519" y="85519"/>
-                  <a:pt x="79509" y="78318"/>
-                  <a:pt x="72362" y="72362"/>
-                </a:cubicBezTo>
-                <a:cubicBezTo>
-                  <a:pt x="66288" y="67301"/>
-                  <a:pt x="57833" y="65156"/>
-                  <a:pt x="52627" y="59206"/>
-                </a:cubicBezTo>
-                <a:cubicBezTo>
-                  <a:pt x="42214" y="47306"/>
-                  <a:pt x="39470" y="28506"/>
-                  <a:pt x="26313" y="19735"/>
-                </a:cubicBezTo>
-                <a:cubicBezTo>
-                  <a:pt x="3998" y="4858"/>
-                  <a:pt x="12169" y="12169"/>
-                  <a:pt x="0" y="0"/>
-                </a:cubicBezTo>
-              </a:path>
-            </a:pathLst>
-          </a:custGeom>
-          <a:ln>
-            <a:tailEnd type="triangle"/>
-          </a:ln>
-        </p:spPr>
-        <p:style>
-          <a:lnRef idx="3">
-            <a:schemeClr val="accent2"/>
-          </a:lnRef>
-          <a:fillRef idx="0">
-            <a:schemeClr val="accent2"/>
-          </a:fillRef>
-          <a:effectRef idx="2">
-            <a:schemeClr val="accent2"/>
-          </a:effectRef>
-          <a:fontRef idx="minor">
-            <a:schemeClr val="tx1"/>
-          </a:fontRef>
-        </p:style>
-        <p:txBody>
-          <a:bodyPr rtlCol="0" anchor="ctr"/>
-          <a:lstStyle/>
-          <a:p>
-            <a:pPr algn="ctr"/>
-            <a:endParaRPr lang="fr-FR"/>
-          </a:p>
-        </p:txBody>
-      </p:sp>
-      <p:sp>
-        <p:nvSpPr>
-          <p:cNvPr id="11" name="Rectangle 10">
-            <a:extLst>
-              <a:ext uri="{FF2B5EF4-FFF2-40B4-BE49-F238E27FC236}">
-                <a16:creationId xmlns:a16="http://schemas.microsoft.com/office/drawing/2014/main" id="{F77E63CA-7BB2-4599-8BA7-CEF379EFB782}"/>
-              </a:ext>
-            </a:extLst>
-          </p:cNvPr>
-          <p:cNvSpPr/>
-          <p:nvPr/>
-        </p:nvSpPr>
-        <p:spPr>
-          <a:xfrm>
-            <a:off x="7396072" y="2578740"/>
-            <a:ext cx="310661" cy="468923"/>
-          </a:xfrm>
-          <a:prstGeom prst="rect">
-            <a:avLst/>
-          </a:prstGeom>
-        </p:spPr>
-        <p:style>
-          <a:lnRef idx="2">
-            <a:schemeClr val="accent1">
-              <a:shade val="50000"/>
-            </a:schemeClr>
-          </a:lnRef>
-          <a:fillRef idx="1">
-            <a:schemeClr val="accent1"/>
-          </a:fillRef>
-          <a:effectRef idx="0">
-            <a:schemeClr val="accent1"/>
-          </a:effectRef>
-          <a:fontRef idx="minor">
-            <a:schemeClr val="lt1"/>
-          </a:fontRef>
-        </p:style>
-        <p:txBody>
-          <a:bodyPr rtlCol="0" anchor="ctr"/>
-          <a:lstStyle/>
-          <a:p>
-            <a:pPr algn="ctr"/>
-            <a:endParaRPr lang="fr-FR"/>
-          </a:p>
-        </p:txBody>
-      </p:sp>
-      <p:sp>
-        <p:nvSpPr>
           <p:cNvPr id="41" name="Rectangle 40">
             <a:extLst>
               <a:ext uri="{FF2B5EF4-FFF2-40B4-BE49-F238E27FC236}">
@@ -6722,6 +6184,700 @@
               <a:rPr lang="fr-FR" dirty="0"/>
               <a:t>To LQI collector</a:t>
             </a:r>
+          </a:p>
+        </p:txBody>
+      </p:sp>
+      <p:sp>
+        <p:nvSpPr>
+          <p:cNvPr id="2" name="Freeform: Shape 1">
+            <a:extLst>
+              <a:ext uri="{FF2B5EF4-FFF2-40B4-BE49-F238E27FC236}">
+                <a16:creationId xmlns:a16="http://schemas.microsoft.com/office/drawing/2014/main" id="{6250B4D4-1923-49C9-9AD7-03946D47FC6C}"/>
+              </a:ext>
+            </a:extLst>
+          </p:cNvPr>
+          <p:cNvSpPr/>
+          <p:nvPr/>
+        </p:nvSpPr>
+        <p:spPr>
+          <a:xfrm>
+            <a:off x="5843954" y="2291862"/>
+            <a:ext cx="764055" cy="937846"/>
+          </a:xfrm>
+          <a:custGeom>
+            <a:avLst/>
+            <a:gdLst>
+              <a:gd name="connsiteX0" fmla="*/ 0 w 890954"/>
+              <a:gd name="connsiteY0" fmla="*/ 937846 h 937846"/>
+              <a:gd name="connsiteX1" fmla="*/ 35169 w 890954"/>
+              <a:gd name="connsiteY1" fmla="*/ 908538 h 937846"/>
+              <a:gd name="connsiteX2" fmla="*/ 46892 w 890954"/>
+              <a:gd name="connsiteY2" fmla="*/ 890953 h 937846"/>
+              <a:gd name="connsiteX3" fmla="*/ 82061 w 890954"/>
+              <a:gd name="connsiteY3" fmla="*/ 855784 h 937846"/>
+              <a:gd name="connsiteX4" fmla="*/ 99646 w 890954"/>
+              <a:gd name="connsiteY4" fmla="*/ 838200 h 937846"/>
+              <a:gd name="connsiteX5" fmla="*/ 140677 w 890954"/>
+              <a:gd name="connsiteY5" fmla="*/ 820615 h 937846"/>
+              <a:gd name="connsiteX6" fmla="*/ 175846 w 890954"/>
+              <a:gd name="connsiteY6" fmla="*/ 803030 h 937846"/>
+              <a:gd name="connsiteX7" fmla="*/ 216877 w 890954"/>
+              <a:gd name="connsiteY7" fmla="*/ 779584 h 937846"/>
+              <a:gd name="connsiteX8" fmla="*/ 269631 w 890954"/>
+              <a:gd name="connsiteY8" fmla="*/ 767861 h 937846"/>
+              <a:gd name="connsiteX9" fmla="*/ 328246 w 890954"/>
+              <a:gd name="connsiteY9" fmla="*/ 762000 h 937846"/>
+              <a:gd name="connsiteX10" fmla="*/ 668215 w 890954"/>
+              <a:gd name="connsiteY10" fmla="*/ 756138 h 937846"/>
+              <a:gd name="connsiteX11" fmla="*/ 709246 w 890954"/>
+              <a:gd name="connsiteY11" fmla="*/ 738553 h 937846"/>
+              <a:gd name="connsiteX12" fmla="*/ 726831 w 890954"/>
+              <a:gd name="connsiteY12" fmla="*/ 732692 h 937846"/>
+              <a:gd name="connsiteX13" fmla="*/ 767861 w 890954"/>
+              <a:gd name="connsiteY13" fmla="*/ 697523 h 937846"/>
+              <a:gd name="connsiteX14" fmla="*/ 791308 w 890954"/>
+              <a:gd name="connsiteY14" fmla="*/ 679938 h 937846"/>
+              <a:gd name="connsiteX15" fmla="*/ 803031 w 890954"/>
+              <a:gd name="connsiteY15" fmla="*/ 656492 h 937846"/>
+              <a:gd name="connsiteX16" fmla="*/ 814754 w 890954"/>
+              <a:gd name="connsiteY16" fmla="*/ 621323 h 937846"/>
+              <a:gd name="connsiteX17" fmla="*/ 826477 w 890954"/>
+              <a:gd name="connsiteY17" fmla="*/ 603738 h 937846"/>
+              <a:gd name="connsiteX18" fmla="*/ 832338 w 890954"/>
+              <a:gd name="connsiteY18" fmla="*/ 586153 h 937846"/>
+              <a:gd name="connsiteX19" fmla="*/ 838200 w 890954"/>
+              <a:gd name="connsiteY19" fmla="*/ 556846 h 937846"/>
+              <a:gd name="connsiteX20" fmla="*/ 873369 w 890954"/>
+              <a:gd name="connsiteY20" fmla="*/ 492369 h 937846"/>
+              <a:gd name="connsiteX21" fmla="*/ 885092 w 890954"/>
+              <a:gd name="connsiteY21" fmla="*/ 433753 h 937846"/>
+              <a:gd name="connsiteX22" fmla="*/ 890954 w 890954"/>
+              <a:gd name="connsiteY22" fmla="*/ 410307 h 937846"/>
+              <a:gd name="connsiteX23" fmla="*/ 879231 w 890954"/>
+              <a:gd name="connsiteY23" fmla="*/ 164123 h 937846"/>
+              <a:gd name="connsiteX24" fmla="*/ 867508 w 890954"/>
+              <a:gd name="connsiteY24" fmla="*/ 105507 h 937846"/>
+              <a:gd name="connsiteX25" fmla="*/ 861646 w 890954"/>
+              <a:gd name="connsiteY25" fmla="*/ 76200 h 937846"/>
+              <a:gd name="connsiteX26" fmla="*/ 849923 w 890954"/>
+              <a:gd name="connsiteY26" fmla="*/ 5861 h 937846"/>
+              <a:gd name="connsiteX27" fmla="*/ 844061 w 890954"/>
+              <a:gd name="connsiteY27" fmla="*/ 0 h 937846"/>
+            </a:gdLst>
+            <a:ahLst/>
+            <a:cxnLst>
+              <a:cxn ang="0">
+                <a:pos x="connsiteX0" y="connsiteY0"/>
+              </a:cxn>
+              <a:cxn ang="0">
+                <a:pos x="connsiteX1" y="connsiteY1"/>
+              </a:cxn>
+              <a:cxn ang="0">
+                <a:pos x="connsiteX2" y="connsiteY2"/>
+              </a:cxn>
+              <a:cxn ang="0">
+                <a:pos x="connsiteX3" y="connsiteY3"/>
+              </a:cxn>
+              <a:cxn ang="0">
+                <a:pos x="connsiteX4" y="connsiteY4"/>
+              </a:cxn>
+              <a:cxn ang="0">
+                <a:pos x="connsiteX5" y="connsiteY5"/>
+              </a:cxn>
+              <a:cxn ang="0">
+                <a:pos x="connsiteX6" y="connsiteY6"/>
+              </a:cxn>
+              <a:cxn ang="0">
+                <a:pos x="connsiteX7" y="connsiteY7"/>
+              </a:cxn>
+              <a:cxn ang="0">
+                <a:pos x="connsiteX8" y="connsiteY8"/>
+              </a:cxn>
+              <a:cxn ang="0">
+                <a:pos x="connsiteX9" y="connsiteY9"/>
+              </a:cxn>
+              <a:cxn ang="0">
+                <a:pos x="connsiteX10" y="connsiteY10"/>
+              </a:cxn>
+              <a:cxn ang="0">
+                <a:pos x="connsiteX11" y="connsiteY11"/>
+              </a:cxn>
+              <a:cxn ang="0">
+                <a:pos x="connsiteX12" y="connsiteY12"/>
+              </a:cxn>
+              <a:cxn ang="0">
+                <a:pos x="connsiteX13" y="connsiteY13"/>
+              </a:cxn>
+              <a:cxn ang="0">
+                <a:pos x="connsiteX14" y="connsiteY14"/>
+              </a:cxn>
+              <a:cxn ang="0">
+                <a:pos x="connsiteX15" y="connsiteY15"/>
+              </a:cxn>
+              <a:cxn ang="0">
+                <a:pos x="connsiteX16" y="connsiteY16"/>
+              </a:cxn>
+              <a:cxn ang="0">
+                <a:pos x="connsiteX17" y="connsiteY17"/>
+              </a:cxn>
+              <a:cxn ang="0">
+                <a:pos x="connsiteX18" y="connsiteY18"/>
+              </a:cxn>
+              <a:cxn ang="0">
+                <a:pos x="connsiteX19" y="connsiteY19"/>
+              </a:cxn>
+              <a:cxn ang="0">
+                <a:pos x="connsiteX20" y="connsiteY20"/>
+              </a:cxn>
+              <a:cxn ang="0">
+                <a:pos x="connsiteX21" y="connsiteY21"/>
+              </a:cxn>
+              <a:cxn ang="0">
+                <a:pos x="connsiteX22" y="connsiteY22"/>
+              </a:cxn>
+              <a:cxn ang="0">
+                <a:pos x="connsiteX23" y="connsiteY23"/>
+              </a:cxn>
+              <a:cxn ang="0">
+                <a:pos x="connsiteX24" y="connsiteY24"/>
+              </a:cxn>
+              <a:cxn ang="0">
+                <a:pos x="connsiteX25" y="connsiteY25"/>
+              </a:cxn>
+              <a:cxn ang="0">
+                <a:pos x="connsiteX26" y="connsiteY26"/>
+              </a:cxn>
+              <a:cxn ang="0">
+                <a:pos x="connsiteX27" y="connsiteY27"/>
+              </a:cxn>
+            </a:cxnLst>
+            <a:rect l="l" t="t" r="r" b="b"/>
+            <a:pathLst>
+              <a:path w="890954" h="937846">
+                <a:moveTo>
+                  <a:pt x="0" y="937846"/>
+                </a:moveTo>
+                <a:cubicBezTo>
+                  <a:pt x="11723" y="928077"/>
+                  <a:pt x="24379" y="919329"/>
+                  <a:pt x="35169" y="908538"/>
+                </a:cubicBezTo>
+                <a:cubicBezTo>
+                  <a:pt x="40150" y="903557"/>
+                  <a:pt x="42212" y="896218"/>
+                  <a:pt x="46892" y="890953"/>
+                </a:cubicBezTo>
+                <a:cubicBezTo>
+                  <a:pt x="57906" y="878562"/>
+                  <a:pt x="70338" y="867507"/>
+                  <a:pt x="82061" y="855784"/>
+                </a:cubicBezTo>
+                <a:cubicBezTo>
+                  <a:pt x="87923" y="849923"/>
+                  <a:pt x="92232" y="841907"/>
+                  <a:pt x="99646" y="838200"/>
+                </a:cubicBezTo>
+                <a:cubicBezTo>
+                  <a:pt x="128618" y="823713"/>
+                  <a:pt x="114802" y="829239"/>
+                  <a:pt x="140677" y="820615"/>
+                </a:cubicBezTo>
+                <a:cubicBezTo>
+                  <a:pt x="174467" y="798087"/>
+                  <a:pt x="141873" y="817590"/>
+                  <a:pt x="175846" y="803030"/>
+                </a:cubicBezTo>
+                <a:cubicBezTo>
+                  <a:pt x="247793" y="772195"/>
+                  <a:pt x="157998" y="809022"/>
+                  <a:pt x="216877" y="779584"/>
+                </a:cubicBezTo>
+                <a:cubicBezTo>
+                  <a:pt x="230525" y="772760"/>
+                  <a:pt x="257628" y="769361"/>
+                  <a:pt x="269631" y="767861"/>
+                </a:cubicBezTo>
+                <a:cubicBezTo>
+                  <a:pt x="289115" y="765426"/>
+                  <a:pt x="308619" y="762577"/>
+                  <a:pt x="328246" y="762000"/>
+                </a:cubicBezTo>
+                <a:cubicBezTo>
+                  <a:pt x="441537" y="758668"/>
+                  <a:pt x="554892" y="758092"/>
+                  <a:pt x="668215" y="756138"/>
+                </a:cubicBezTo>
+                <a:cubicBezTo>
+                  <a:pt x="709464" y="742387"/>
+                  <a:pt x="658531" y="760287"/>
+                  <a:pt x="709246" y="738553"/>
+                </a:cubicBezTo>
+                <a:cubicBezTo>
+                  <a:pt x="714925" y="736119"/>
+                  <a:pt x="720969" y="734646"/>
+                  <a:pt x="726831" y="732692"/>
+                </a:cubicBezTo>
+                <a:cubicBezTo>
+                  <a:pt x="764484" y="707589"/>
+                  <a:pt x="722374" y="737324"/>
+                  <a:pt x="767861" y="697523"/>
+                </a:cubicBezTo>
+                <a:cubicBezTo>
+                  <a:pt x="775213" y="691090"/>
+                  <a:pt x="783492" y="685800"/>
+                  <a:pt x="791308" y="679938"/>
+                </a:cubicBezTo>
+                <a:cubicBezTo>
+                  <a:pt x="795216" y="672123"/>
+                  <a:pt x="799786" y="664605"/>
+                  <a:pt x="803031" y="656492"/>
+                </a:cubicBezTo>
+                <a:cubicBezTo>
+                  <a:pt x="807620" y="645019"/>
+                  <a:pt x="807900" y="631605"/>
+                  <a:pt x="814754" y="621323"/>
+                </a:cubicBezTo>
+                <a:lnTo>
+                  <a:pt x="826477" y="603738"/>
+                </a:lnTo>
+                <a:cubicBezTo>
+                  <a:pt x="828431" y="597876"/>
+                  <a:pt x="830839" y="592147"/>
+                  <a:pt x="832338" y="586153"/>
+                </a:cubicBezTo>
+                <a:cubicBezTo>
+                  <a:pt x="834754" y="576488"/>
+                  <a:pt x="834077" y="565916"/>
+                  <a:pt x="838200" y="556846"/>
+                </a:cubicBezTo>
+                <a:cubicBezTo>
+                  <a:pt x="878914" y="467276"/>
+                  <a:pt x="847876" y="568844"/>
+                  <a:pt x="873369" y="492369"/>
+                </a:cubicBezTo>
+                <a:cubicBezTo>
+                  <a:pt x="880179" y="471939"/>
+                  <a:pt x="880761" y="455409"/>
+                  <a:pt x="885092" y="433753"/>
+                </a:cubicBezTo>
+                <a:cubicBezTo>
+                  <a:pt x="886672" y="425854"/>
+                  <a:pt x="889000" y="418122"/>
+                  <a:pt x="890954" y="410307"/>
+                </a:cubicBezTo>
+                <a:cubicBezTo>
+                  <a:pt x="889546" y="365245"/>
+                  <a:pt x="889725" y="234087"/>
+                  <a:pt x="879231" y="164123"/>
+                </a:cubicBezTo>
+                <a:cubicBezTo>
+                  <a:pt x="876275" y="144418"/>
+                  <a:pt x="871416" y="125046"/>
+                  <a:pt x="867508" y="105507"/>
+                </a:cubicBezTo>
+                <a:cubicBezTo>
+                  <a:pt x="865554" y="95738"/>
+                  <a:pt x="862746" y="86102"/>
+                  <a:pt x="861646" y="76200"/>
+                </a:cubicBezTo>
+                <a:cubicBezTo>
+                  <a:pt x="859790" y="59496"/>
+                  <a:pt x="859741" y="25497"/>
+                  <a:pt x="849923" y="5861"/>
+                </a:cubicBezTo>
+                <a:cubicBezTo>
+                  <a:pt x="848687" y="3390"/>
+                  <a:pt x="846015" y="1954"/>
+                  <a:pt x="844061" y="0"/>
+                </a:cubicBezTo>
+              </a:path>
+            </a:pathLst>
+          </a:custGeom>
+          <a:ln>
+            <a:headEnd type="none" w="med" len="med"/>
+            <a:tailEnd type="triangle" w="med" len="med"/>
+          </a:ln>
+        </p:spPr>
+        <p:style>
+          <a:lnRef idx="3">
+            <a:schemeClr val="accent2"/>
+          </a:lnRef>
+          <a:fillRef idx="0">
+            <a:schemeClr val="accent2"/>
+          </a:fillRef>
+          <a:effectRef idx="2">
+            <a:schemeClr val="accent2"/>
+          </a:effectRef>
+          <a:fontRef idx="minor">
+            <a:schemeClr val="tx1"/>
+          </a:fontRef>
+        </p:style>
+        <p:txBody>
+          <a:bodyPr rtlCol="0" anchor="ctr"/>
+          <a:lstStyle/>
+          <a:p>
+            <a:pPr algn="ctr"/>
+            <a:endParaRPr lang="fr-FR"/>
+          </a:p>
+        </p:txBody>
+      </p:sp>
+      <p:sp>
+        <p:nvSpPr>
+          <p:cNvPr id="3" name="Freeform: Shape 2">
+            <a:extLst>
+              <a:ext uri="{FF2B5EF4-FFF2-40B4-BE49-F238E27FC236}">
+                <a16:creationId xmlns:a16="http://schemas.microsoft.com/office/drawing/2014/main" id="{C2F08483-0308-4F1B-BB82-A410E6ACE46A}"/>
+              </a:ext>
+            </a:extLst>
+          </p:cNvPr>
+          <p:cNvSpPr/>
+          <p:nvPr/>
+        </p:nvSpPr>
+        <p:spPr>
+          <a:xfrm>
+            <a:off x="6651076" y="2321169"/>
+            <a:ext cx="494139" cy="896816"/>
+          </a:xfrm>
+          <a:custGeom>
+            <a:avLst/>
+            <a:gdLst>
+              <a:gd name="connsiteX0" fmla="*/ 351692 w 351692"/>
+              <a:gd name="connsiteY0" fmla="*/ 896816 h 896816"/>
+              <a:gd name="connsiteX1" fmla="*/ 316523 w 351692"/>
+              <a:gd name="connsiteY1" fmla="*/ 885093 h 896816"/>
+              <a:gd name="connsiteX2" fmla="*/ 293077 w 351692"/>
+              <a:gd name="connsiteY2" fmla="*/ 867508 h 896816"/>
+              <a:gd name="connsiteX3" fmla="*/ 252046 w 351692"/>
+              <a:gd name="connsiteY3" fmla="*/ 855785 h 896816"/>
+              <a:gd name="connsiteX4" fmla="*/ 234462 w 351692"/>
+              <a:gd name="connsiteY4" fmla="*/ 844062 h 896816"/>
+              <a:gd name="connsiteX5" fmla="*/ 199292 w 351692"/>
+              <a:gd name="connsiteY5" fmla="*/ 832339 h 896816"/>
+              <a:gd name="connsiteX6" fmla="*/ 175846 w 351692"/>
+              <a:gd name="connsiteY6" fmla="*/ 820616 h 896816"/>
+              <a:gd name="connsiteX7" fmla="*/ 164123 w 351692"/>
+              <a:gd name="connsiteY7" fmla="*/ 803031 h 896816"/>
+              <a:gd name="connsiteX8" fmla="*/ 146539 w 351692"/>
+              <a:gd name="connsiteY8" fmla="*/ 791308 h 896816"/>
+              <a:gd name="connsiteX9" fmla="*/ 134815 w 351692"/>
+              <a:gd name="connsiteY9" fmla="*/ 779585 h 896816"/>
+              <a:gd name="connsiteX10" fmla="*/ 117231 w 351692"/>
+              <a:gd name="connsiteY10" fmla="*/ 744416 h 896816"/>
+              <a:gd name="connsiteX11" fmla="*/ 93785 w 351692"/>
+              <a:gd name="connsiteY11" fmla="*/ 709246 h 896816"/>
+              <a:gd name="connsiteX12" fmla="*/ 82062 w 351692"/>
+              <a:gd name="connsiteY12" fmla="*/ 674077 h 896816"/>
+              <a:gd name="connsiteX13" fmla="*/ 70339 w 351692"/>
+              <a:gd name="connsiteY13" fmla="*/ 656493 h 896816"/>
+              <a:gd name="connsiteX14" fmla="*/ 64477 w 351692"/>
+              <a:gd name="connsiteY14" fmla="*/ 638908 h 896816"/>
+              <a:gd name="connsiteX15" fmla="*/ 52754 w 351692"/>
+              <a:gd name="connsiteY15" fmla="*/ 621323 h 896816"/>
+              <a:gd name="connsiteX16" fmla="*/ 35169 w 351692"/>
+              <a:gd name="connsiteY16" fmla="*/ 586154 h 896816"/>
+              <a:gd name="connsiteX17" fmla="*/ 23446 w 351692"/>
+              <a:gd name="connsiteY17" fmla="*/ 533400 h 896816"/>
+              <a:gd name="connsiteX18" fmla="*/ 11723 w 351692"/>
+              <a:gd name="connsiteY18" fmla="*/ 486508 h 896816"/>
+              <a:gd name="connsiteX19" fmla="*/ 0 w 351692"/>
+              <a:gd name="connsiteY19" fmla="*/ 433754 h 896816"/>
+              <a:gd name="connsiteX20" fmla="*/ 5862 w 351692"/>
+              <a:gd name="connsiteY20" fmla="*/ 257908 h 896816"/>
+              <a:gd name="connsiteX21" fmla="*/ 11723 w 351692"/>
+              <a:gd name="connsiteY21" fmla="*/ 240323 h 896816"/>
+              <a:gd name="connsiteX22" fmla="*/ 23446 w 351692"/>
+              <a:gd name="connsiteY22" fmla="*/ 187569 h 896816"/>
+              <a:gd name="connsiteX23" fmla="*/ 35169 w 351692"/>
+              <a:gd name="connsiteY23" fmla="*/ 152400 h 896816"/>
+              <a:gd name="connsiteX24" fmla="*/ 41031 w 351692"/>
+              <a:gd name="connsiteY24" fmla="*/ 134816 h 896816"/>
+              <a:gd name="connsiteX25" fmla="*/ 46892 w 351692"/>
+              <a:gd name="connsiteY25" fmla="*/ 117231 h 896816"/>
+              <a:gd name="connsiteX26" fmla="*/ 64477 w 351692"/>
+              <a:gd name="connsiteY26" fmla="*/ 99646 h 896816"/>
+              <a:gd name="connsiteX27" fmla="*/ 87923 w 351692"/>
+              <a:gd name="connsiteY27" fmla="*/ 58616 h 896816"/>
+              <a:gd name="connsiteX28" fmla="*/ 93785 w 351692"/>
+              <a:gd name="connsiteY28" fmla="*/ 41031 h 896816"/>
+              <a:gd name="connsiteX29" fmla="*/ 105508 w 351692"/>
+              <a:gd name="connsiteY29" fmla="*/ 23446 h 896816"/>
+              <a:gd name="connsiteX30" fmla="*/ 117231 w 351692"/>
+              <a:gd name="connsiteY30" fmla="*/ 0 h 896816"/>
+            </a:gdLst>
+            <a:ahLst/>
+            <a:cxnLst>
+              <a:cxn ang="0">
+                <a:pos x="connsiteX0" y="connsiteY0"/>
+              </a:cxn>
+              <a:cxn ang="0">
+                <a:pos x="connsiteX1" y="connsiteY1"/>
+              </a:cxn>
+              <a:cxn ang="0">
+                <a:pos x="connsiteX2" y="connsiteY2"/>
+              </a:cxn>
+              <a:cxn ang="0">
+                <a:pos x="connsiteX3" y="connsiteY3"/>
+              </a:cxn>
+              <a:cxn ang="0">
+                <a:pos x="connsiteX4" y="connsiteY4"/>
+              </a:cxn>
+              <a:cxn ang="0">
+                <a:pos x="connsiteX5" y="connsiteY5"/>
+              </a:cxn>
+              <a:cxn ang="0">
+                <a:pos x="connsiteX6" y="connsiteY6"/>
+              </a:cxn>
+              <a:cxn ang="0">
+                <a:pos x="connsiteX7" y="connsiteY7"/>
+              </a:cxn>
+              <a:cxn ang="0">
+                <a:pos x="connsiteX8" y="connsiteY8"/>
+              </a:cxn>
+              <a:cxn ang="0">
+                <a:pos x="connsiteX9" y="connsiteY9"/>
+              </a:cxn>
+              <a:cxn ang="0">
+                <a:pos x="connsiteX10" y="connsiteY10"/>
+              </a:cxn>
+              <a:cxn ang="0">
+                <a:pos x="connsiteX11" y="connsiteY11"/>
+              </a:cxn>
+              <a:cxn ang="0">
+                <a:pos x="connsiteX12" y="connsiteY12"/>
+              </a:cxn>
+              <a:cxn ang="0">
+                <a:pos x="connsiteX13" y="connsiteY13"/>
+              </a:cxn>
+              <a:cxn ang="0">
+                <a:pos x="connsiteX14" y="connsiteY14"/>
+              </a:cxn>
+              <a:cxn ang="0">
+                <a:pos x="connsiteX15" y="connsiteY15"/>
+              </a:cxn>
+              <a:cxn ang="0">
+                <a:pos x="connsiteX16" y="connsiteY16"/>
+              </a:cxn>
+              <a:cxn ang="0">
+                <a:pos x="connsiteX17" y="connsiteY17"/>
+              </a:cxn>
+              <a:cxn ang="0">
+                <a:pos x="connsiteX18" y="connsiteY18"/>
+              </a:cxn>
+              <a:cxn ang="0">
+                <a:pos x="connsiteX19" y="connsiteY19"/>
+              </a:cxn>
+              <a:cxn ang="0">
+                <a:pos x="connsiteX20" y="connsiteY20"/>
+              </a:cxn>
+              <a:cxn ang="0">
+                <a:pos x="connsiteX21" y="connsiteY21"/>
+              </a:cxn>
+              <a:cxn ang="0">
+                <a:pos x="connsiteX22" y="connsiteY22"/>
+              </a:cxn>
+              <a:cxn ang="0">
+                <a:pos x="connsiteX23" y="connsiteY23"/>
+              </a:cxn>
+              <a:cxn ang="0">
+                <a:pos x="connsiteX24" y="connsiteY24"/>
+              </a:cxn>
+              <a:cxn ang="0">
+                <a:pos x="connsiteX25" y="connsiteY25"/>
+              </a:cxn>
+              <a:cxn ang="0">
+                <a:pos x="connsiteX26" y="connsiteY26"/>
+              </a:cxn>
+              <a:cxn ang="0">
+                <a:pos x="connsiteX27" y="connsiteY27"/>
+              </a:cxn>
+              <a:cxn ang="0">
+                <a:pos x="connsiteX28" y="connsiteY28"/>
+              </a:cxn>
+              <a:cxn ang="0">
+                <a:pos x="connsiteX29" y="connsiteY29"/>
+              </a:cxn>
+              <a:cxn ang="0">
+                <a:pos x="connsiteX30" y="connsiteY30"/>
+              </a:cxn>
+            </a:cxnLst>
+            <a:rect l="l" t="t" r="r" b="b"/>
+            <a:pathLst>
+              <a:path w="351692" h="896816">
+                <a:moveTo>
+                  <a:pt x="351692" y="896816"/>
+                </a:moveTo>
+                <a:cubicBezTo>
+                  <a:pt x="339969" y="892908"/>
+                  <a:pt x="327576" y="890619"/>
+                  <a:pt x="316523" y="885093"/>
+                </a:cubicBezTo>
+                <a:cubicBezTo>
+                  <a:pt x="307785" y="880724"/>
+                  <a:pt x="301971" y="871551"/>
+                  <a:pt x="293077" y="867508"/>
+                </a:cubicBezTo>
+                <a:cubicBezTo>
+                  <a:pt x="280128" y="861622"/>
+                  <a:pt x="265723" y="859693"/>
+                  <a:pt x="252046" y="855785"/>
+                </a:cubicBezTo>
+                <a:cubicBezTo>
+                  <a:pt x="246185" y="851877"/>
+                  <a:pt x="240899" y="846923"/>
+                  <a:pt x="234462" y="844062"/>
+                </a:cubicBezTo>
+                <a:cubicBezTo>
+                  <a:pt x="223170" y="839043"/>
+                  <a:pt x="210345" y="837865"/>
+                  <a:pt x="199292" y="832339"/>
+                </a:cubicBezTo>
+                <a:lnTo>
+                  <a:pt x="175846" y="820616"/>
+                </a:lnTo>
+                <a:cubicBezTo>
+                  <a:pt x="171938" y="814754"/>
+                  <a:pt x="169104" y="808013"/>
+                  <a:pt x="164123" y="803031"/>
+                </a:cubicBezTo>
+                <a:cubicBezTo>
+                  <a:pt x="159142" y="798050"/>
+                  <a:pt x="152040" y="795709"/>
+                  <a:pt x="146539" y="791308"/>
+                </a:cubicBezTo>
+                <a:cubicBezTo>
+                  <a:pt x="142223" y="787856"/>
+                  <a:pt x="138723" y="783493"/>
+                  <a:pt x="134815" y="779585"/>
+                </a:cubicBezTo>
+                <a:cubicBezTo>
+                  <a:pt x="120085" y="735391"/>
+                  <a:pt x="139953" y="789859"/>
+                  <a:pt x="117231" y="744416"/>
+                </a:cubicBezTo>
+                <a:cubicBezTo>
+                  <a:pt x="100264" y="710483"/>
+                  <a:pt x="127119" y="742582"/>
+                  <a:pt x="93785" y="709246"/>
+                </a:cubicBezTo>
+                <a:cubicBezTo>
+                  <a:pt x="89877" y="697523"/>
+                  <a:pt x="88917" y="684359"/>
+                  <a:pt x="82062" y="674077"/>
+                </a:cubicBezTo>
+                <a:cubicBezTo>
+                  <a:pt x="78154" y="668216"/>
+                  <a:pt x="73489" y="662794"/>
+                  <a:pt x="70339" y="656493"/>
+                </a:cubicBezTo>
+                <a:cubicBezTo>
+                  <a:pt x="67576" y="650967"/>
+                  <a:pt x="67240" y="644434"/>
+                  <a:pt x="64477" y="638908"/>
+                </a:cubicBezTo>
+                <a:cubicBezTo>
+                  <a:pt x="61326" y="632607"/>
+                  <a:pt x="55905" y="627624"/>
+                  <a:pt x="52754" y="621323"/>
+                </a:cubicBezTo>
+                <a:cubicBezTo>
+                  <a:pt x="28485" y="572787"/>
+                  <a:pt x="68766" y="636551"/>
+                  <a:pt x="35169" y="586154"/>
+                </a:cubicBezTo>
+                <a:cubicBezTo>
+                  <a:pt x="22690" y="548711"/>
+                  <a:pt x="35826" y="591172"/>
+                  <a:pt x="23446" y="533400"/>
+                </a:cubicBezTo>
+                <a:cubicBezTo>
+                  <a:pt x="20070" y="517646"/>
+                  <a:pt x="14372" y="502401"/>
+                  <a:pt x="11723" y="486508"/>
+                </a:cubicBezTo>
+                <a:cubicBezTo>
+                  <a:pt x="4846" y="445244"/>
+                  <a:pt x="9620" y="462614"/>
+                  <a:pt x="0" y="433754"/>
+                </a:cubicBezTo>
+                <a:cubicBezTo>
+                  <a:pt x="1954" y="375139"/>
+                  <a:pt x="2314" y="316448"/>
+                  <a:pt x="5862" y="257908"/>
+                </a:cubicBezTo>
+                <a:cubicBezTo>
+                  <a:pt x="6236" y="251741"/>
+                  <a:pt x="10224" y="246317"/>
+                  <a:pt x="11723" y="240323"/>
+                </a:cubicBezTo>
+                <a:cubicBezTo>
+                  <a:pt x="20082" y="206889"/>
+                  <a:pt x="14428" y="217631"/>
+                  <a:pt x="23446" y="187569"/>
+                </a:cubicBezTo>
+                <a:cubicBezTo>
+                  <a:pt x="26997" y="175733"/>
+                  <a:pt x="31261" y="164123"/>
+                  <a:pt x="35169" y="152400"/>
+                </a:cubicBezTo>
+                <a:lnTo>
+                  <a:pt x="41031" y="134816"/>
+                </a:lnTo>
+                <a:cubicBezTo>
+                  <a:pt x="42985" y="128954"/>
+                  <a:pt x="42523" y="121600"/>
+                  <a:pt x="46892" y="117231"/>
+                </a:cubicBezTo>
+                <a:lnTo>
+                  <a:pt x="64477" y="99646"/>
+                </a:lnTo>
+                <a:cubicBezTo>
+                  <a:pt x="77918" y="59327"/>
+                  <a:pt x="59533" y="108299"/>
+                  <a:pt x="87923" y="58616"/>
+                </a:cubicBezTo>
+                <a:cubicBezTo>
+                  <a:pt x="90989" y="53251"/>
+                  <a:pt x="91022" y="46557"/>
+                  <a:pt x="93785" y="41031"/>
+                </a:cubicBezTo>
+                <a:cubicBezTo>
+                  <a:pt x="96936" y="34730"/>
+                  <a:pt x="101600" y="29308"/>
+                  <a:pt x="105508" y="23446"/>
+                </a:cubicBezTo>
+                <a:cubicBezTo>
+                  <a:pt x="112243" y="3240"/>
+                  <a:pt x="107000" y="10231"/>
+                  <a:pt x="117231" y="0"/>
+                </a:cubicBezTo>
+              </a:path>
+            </a:pathLst>
+          </a:custGeom>
+          <a:ln>
+            <a:headEnd type="none" w="med" len="med"/>
+            <a:tailEnd type="triangle" w="med" len="med"/>
+          </a:ln>
+        </p:spPr>
+        <p:style>
+          <a:lnRef idx="3">
+            <a:schemeClr val="accent2"/>
+          </a:lnRef>
+          <a:fillRef idx="0">
+            <a:schemeClr val="accent2"/>
+          </a:fillRef>
+          <a:effectRef idx="2">
+            <a:schemeClr val="accent2"/>
+          </a:effectRef>
+          <a:fontRef idx="minor">
+            <a:schemeClr val="tx1"/>
+          </a:fontRef>
+        </p:style>
+        <p:txBody>
+          <a:bodyPr rtlCol="0" anchor="ctr"/>
+          <a:lstStyle/>
+          <a:p>
+            <a:pPr algn="ctr"/>
+            <a:endParaRPr lang="fr-FR"/>
           </a:p>
         </p:txBody>
       </p:sp>
